--- a/events/2021-09-15/slides/00-index.pptx
+++ b/events/2021-09-15/slides/00-index.pptx
@@ -227,7 +227,7 @@
             <a:fld id="{35305EB0-020F-4995-961E-A35B2BB78D2B}" type="datetimeFigureOut">
               <a:rPr kumimoji="1" lang="ja-JP" altLang="en-US" smtClean="0"/>
               <a:pPr/>
-              <a:t>2021/8/31</a:t>
+              <a:t>2021/9/11</a:t>
             </a:fld>
             <a:endParaRPr kumimoji="1" lang="ja-JP" altLang="en-US"/>
           </a:p>
@@ -53481,7 +53481,7 @@
             </a:r>
             <a:r>
               <a:rPr lang="ja-JP" altLang="en-US" dirty="0"/>
-              <a:t> 授業に必要な</a:t>
+              <a:t> 授業に使う</a:t>
             </a:r>
             <a:r>
               <a:rPr lang="en-US" altLang="ja-JP" dirty="0"/>
@@ -53489,7 +53489,7 @@
             </a:r>
             <a:r>
               <a:rPr lang="ja-JP" altLang="en-US" dirty="0"/>
-              <a:t>システムの概要</a:t>
+              <a:t>概要</a:t>
             </a:r>
             <a:r>
               <a:rPr lang="ja-JP" altLang="en-US" sz="2000" dirty="0"/>
@@ -53509,7 +53509,7 @@
             </a:r>
             <a:r>
               <a:rPr lang="en-US" altLang="ja-JP" sz="2000" dirty="0"/>
-              <a:t>25</a:t>
+              <a:t>20</a:t>
             </a:r>
             <a:r>
               <a:rPr kumimoji="1" lang="ja-JP" altLang="en-US" sz="2000" dirty="0"/>
@@ -53528,11 +53528,11 @@
           <a:p>
             <a:r>
               <a:rPr kumimoji="1" lang="en-US" altLang="ja-JP" dirty="0"/>
-              <a:t>2. 2020</a:t>
+              <a:t>2. </a:t>
             </a:r>
             <a:r>
               <a:rPr kumimoji="1" lang="ja-JP" altLang="en-US" dirty="0"/>
-              <a:t>年度振り返り</a:t>
+              <a:t>セキュリティ強化・多要素認証</a:t>
             </a:r>
             <a:r>
               <a:rPr kumimoji="1" lang="ja-JP" altLang="en-US" sz="2000" dirty="0"/>
@@ -53563,7 +53563,49 @@
           <a:p>
             <a:r>
               <a:rPr kumimoji="1" lang="en-US" altLang="ja-JP" dirty="0"/>
-              <a:t>3. ITC-LMS</a:t>
+              <a:t>3. VPN, </a:t>
+            </a:r>
+            <a:r>
+              <a:rPr kumimoji="1" lang="en-US" altLang="ja-JP" dirty="0" err="1"/>
+              <a:t>WiFi</a:t>
+            </a:r>
+            <a:r>
+              <a:rPr kumimoji="1" lang="ja-JP" altLang="en-US" sz="2000" dirty="0"/>
+              <a:t> </a:t>
+            </a:r>
+            <a:r>
+              <a:rPr kumimoji="1" lang="en-US" altLang="ja-JP" sz="2000" dirty="0"/>
+              <a:t>(</a:t>
+            </a:r>
+            <a:r>
+              <a:rPr kumimoji="1" lang="ja-JP" altLang="en-US" sz="2000" dirty="0"/>
+              <a:t>玉造</a:t>
+            </a:r>
+            <a:r>
+              <a:rPr kumimoji="1" lang="en-US" altLang="ja-JP" sz="2000" dirty="0"/>
+              <a:t>; </a:t>
+            </a:r>
+            <a:r>
+              <a:rPr lang="en-US" altLang="ja-JP" sz="2000" dirty="0"/>
+              <a:t>1</a:t>
+            </a:r>
+            <a:r>
+              <a:rPr kumimoji="1" lang="en-US" altLang="ja-JP" sz="2000" dirty="0"/>
+              <a:t>0</a:t>
+            </a:r>
+            <a:r>
+              <a:rPr kumimoji="1" lang="ja-JP" altLang="en-US" sz="2000" dirty="0"/>
+              <a:t>分</a:t>
+            </a:r>
+            <a:r>
+              <a:rPr kumimoji="1" lang="en-US" altLang="ja-JP" sz="2000" dirty="0"/>
+              <a:t>)</a:t>
+            </a:r>
+          </a:p>
+          <a:p>
+            <a:r>
+              <a:rPr kumimoji="1" lang="en-US" altLang="ja-JP" dirty="0"/>
+              <a:t>4. ITC-LMS</a:t>
             </a:r>
             <a:r>
               <a:rPr kumimoji="1" lang="ja-JP" altLang="en-US" dirty="0"/>
@@ -53622,7 +53664,7 @@
             </a:r>
             <a:r>
               <a:rPr kumimoji="1" lang="en-US" altLang="ja-JP" sz="2000" dirty="0"/>
-              <a:t>; 25</a:t>
+              <a:t>; 30</a:t>
             </a:r>
             <a:r>
               <a:rPr kumimoji="1" lang="ja-JP" altLang="en-US" sz="2000" dirty="0"/>

--- a/events/2021-09-15/slides/00-index.pptx
+++ b/events/2021-09-15/slides/00-index.pptx
@@ -10,7 +10,7 @@
   <p:sldIdLst>
     <p:sldId id="256" r:id="rId2"/>
     <p:sldId id="366" r:id="rId3"/>
-    <p:sldId id="367" r:id="rId4"/>
+    <p:sldId id="369" r:id="rId4"/>
     <p:sldId id="368" r:id="rId5"/>
     <p:sldId id="365" r:id="rId6"/>
   </p:sldIdLst>
@@ -227,7 +227,7 @@
             <a:fld id="{35305EB0-020F-4995-961E-A35B2BB78D2B}" type="datetimeFigureOut">
               <a:rPr kumimoji="1" lang="ja-JP" altLang="en-US" smtClean="0"/>
               <a:pPr/>
-              <a:t>2021/9/11</a:t>
+              <a:t>2021/9/13</a:t>
             </a:fld>
             <a:endParaRPr kumimoji="1" lang="ja-JP" altLang="en-US"/>
           </a:p>
@@ -52403,6 +52403,10 @@
               <a:rPr lang="ja-JP" altLang="en-US" dirty="0"/>
               <a:t>～</a:t>
             </a:r>
+            <a:r>
+              <a:rPr lang="en-US" altLang="ja-JP" dirty="0"/>
+              <a:t>17:00</a:t>
+            </a:r>
             <a:endParaRPr kumimoji="1" lang="ja-JP" altLang="en-US" dirty="0"/>
           </a:p>
         </p:txBody>
@@ -52420,7 +52424,7 @@
         <p:spPr/>
         <p:txBody>
           <a:bodyPr>
-            <a:normAutofit fontScale="77500" lnSpcReduction="20000"/>
+            <a:normAutofit fontScale="55000" lnSpcReduction="20000"/>
           </a:bodyPr>
           <a:lstStyle/>
           <a:p>
@@ -52438,6 +52442,22 @@
           <a:p>
             <a:pPr algn="l"/>
             <a:r>
+              <a:rPr kumimoji="1" lang="ja-JP" altLang="en-US" dirty="0"/>
+              <a:t>情報システム本部</a:t>
+            </a:r>
+            <a:r>
+              <a:rPr lang="en-US" altLang="ja-JP" dirty="0"/>
+              <a:t>                        </a:t>
+            </a:r>
+            <a:r>
+              <a:rPr lang="ja-JP" altLang="en-US" dirty="0"/>
+              <a:t>玉造潤史</a:t>
+            </a:r>
+            <a:endParaRPr kumimoji="1" lang="en-US" altLang="ja-JP" dirty="0"/>
+          </a:p>
+          <a:p>
+            <a:pPr algn="l"/>
+            <a:r>
               <a:rPr lang="ja-JP" altLang="en-US" dirty="0"/>
               <a:t>情報基盤センター 　　　　　柴山悦哉</a:t>
             </a:r>
@@ -52449,6 +52469,10 @@
               <a:rPr kumimoji="1" lang="ja-JP" altLang="en-US" dirty="0"/>
               <a:t>大学総合教育研究センター 　吉田塁</a:t>
             </a:r>
+            <a:endParaRPr kumimoji="1" lang="en-US" altLang="ja-JP" dirty="0"/>
+          </a:p>
+          <a:p>
+            <a:pPr algn="l"/>
             <a:endParaRPr kumimoji="1" lang="en-US" altLang="ja-JP" dirty="0"/>
           </a:p>
         </p:txBody>
@@ -52631,25 +52655,12 @@
           <a:lstStyle/>
           <a:p>
             <a:r>
-              <a:rPr kumimoji="1" lang="en-US" altLang="ja-JP" dirty="0"/>
-              <a:t>2020</a:t>
-            </a:r>
-            <a:r>
-              <a:rPr kumimoji="1" lang="ja-JP" altLang="en-US" dirty="0"/>
-              <a:t>年度</a:t>
-            </a:r>
-            <a:endParaRPr kumimoji="1" lang="en-US" altLang="ja-JP" dirty="0"/>
-          </a:p>
-          <a:p>
-            <a:pPr lvl="1"/>
-            <a:r>
               <a:rPr lang="ja-JP" altLang="en-US" dirty="0"/>
               <a:t>オンライン授業に対応</a:t>
             </a:r>
             <a:endParaRPr lang="en-US" altLang="ja-JP" dirty="0"/>
           </a:p>
           <a:p>
-            <a:pPr lvl="1"/>
             <a:r>
               <a:rPr kumimoji="1" lang="ja-JP" altLang="en-US" dirty="0"/>
               <a:t>オンライン授業を生かした新たな試み・工夫</a:t>
@@ -52657,7 +52668,6 @@
             <a:endParaRPr kumimoji="1" lang="en-US" altLang="ja-JP" dirty="0"/>
           </a:p>
           <a:p>
-            <a:pPr lvl="1"/>
             <a:r>
               <a:rPr kumimoji="1" lang="ja-JP" altLang="en-US" dirty="0"/>
               <a:t>対面授業の復活に尽力</a:t>
@@ -52665,7 +52675,6 @@
             <a:endParaRPr kumimoji="1" lang="en-US" altLang="ja-JP" dirty="0"/>
           </a:p>
           <a:p>
-            <a:pPr lvl="1"/>
             <a:r>
               <a:rPr kumimoji="1" lang="ja-JP" altLang="en-US" dirty="0"/>
               <a:t>ハイブリッド化、ハイフレックス化</a:t>
@@ -52872,22 +52881,26 @@
             </a:r>
             <a:r>
               <a:rPr lang="ja-JP" altLang="en-US" dirty="0"/>
-              <a:t>年度のこの日は「体制」はゼロに等しくすべてがその日の対応でした</a:t>
+              <a:t>年度は「体制」はゼロに等しくすべてがその日の対応でした</a:t>
             </a:r>
             <a:endParaRPr lang="en-US" altLang="ja-JP" dirty="0"/>
           </a:p>
           <a:p>
             <a:r>
+              <a:rPr lang="en-US" altLang="ja-JP" dirty="0"/>
+              <a:t>1.5</a:t>
+            </a:r>
+            <a:r>
               <a:rPr lang="ja-JP" altLang="en-US" dirty="0"/>
-              <a:t>今は</a:t>
+              <a:t>年かけて学生、教職員の協働体制が進んでいます。特に以下の皆様（</a:t>
             </a:r>
             <a:r>
               <a:rPr lang="en-US" altLang="ja-JP" dirty="0"/>
-              <a:t>1</a:t>
+              <a:t>50</a:t>
             </a:r>
             <a:r>
               <a:rPr lang="ja-JP" altLang="en-US" dirty="0"/>
-              <a:t>年かけて作った体制で準備が進んでいます。特に</a:t>
+              <a:t>音順）</a:t>
             </a:r>
             <a:endParaRPr lang="en-US" altLang="ja-JP" dirty="0"/>
           </a:p>
@@ -52895,7 +52908,7 @@
             <a:pPr lvl="1"/>
             <a:r>
               <a:rPr lang="ja-JP" altLang="en-US" dirty="0"/>
-              <a:t>中條 麟太郎さん 教養学部前期課程</a:t>
+              <a:t>岩田 風多さん 教養学部（前期課程）</a:t>
             </a:r>
             <a:r>
               <a:rPr lang="en-US" altLang="ja-JP" dirty="0"/>
@@ -52903,14 +52916,104 @@
             </a:r>
             <a:r>
               <a:rPr lang="ja-JP" altLang="en-US" dirty="0"/>
-              <a:t>年・大学院情報学環教育部研究生</a:t>
+              <a:t>年</a:t>
             </a:r>
           </a:p>
           <a:p>
             <a:pPr lvl="1"/>
             <a:r>
               <a:rPr lang="ja-JP" altLang="en-US" dirty="0"/>
-              <a:t>竹内 朗さん 工学部</a:t>
+              <a:t>大澤 悠一さん工学部</a:t>
+            </a:r>
+            <a:r>
+              <a:rPr lang="en-US" altLang="ja-JP" dirty="0"/>
+              <a:t>4</a:t>
+            </a:r>
+            <a:r>
+              <a:rPr lang="ja-JP" altLang="en-US" dirty="0"/>
+              <a:t>年</a:t>
+            </a:r>
+          </a:p>
+          <a:p>
+            <a:pPr lvl="1"/>
+            <a:r>
+              <a:rPr lang="ja-JP" altLang="en-US" dirty="0"/>
+              <a:t>金子 亮大さん総合文化研究科修士課程</a:t>
+            </a:r>
+            <a:r>
+              <a:rPr lang="en-US" altLang="ja-JP" dirty="0"/>
+              <a:t>2</a:t>
+            </a:r>
+            <a:r>
+              <a:rPr lang="ja-JP" altLang="en-US" dirty="0"/>
+              <a:t>年</a:t>
+            </a:r>
+          </a:p>
+          <a:p>
+            <a:pPr lvl="1"/>
+            <a:r>
+              <a:rPr lang="ja-JP" altLang="en-US" dirty="0"/>
+              <a:t>近藤 春央さん理学部</a:t>
+            </a:r>
+            <a:r>
+              <a:rPr lang="en-US" altLang="ja-JP" dirty="0"/>
+              <a:t>4</a:t>
+            </a:r>
+            <a:r>
+              <a:rPr lang="ja-JP" altLang="en-US" dirty="0"/>
+              <a:t>年</a:t>
+            </a:r>
+          </a:p>
+          <a:p>
+            <a:pPr lvl="1"/>
+            <a:r>
+              <a:rPr lang="ja-JP" altLang="en-US" dirty="0"/>
+              <a:t>園部 蓮さん教養学部（前期課程）</a:t>
+            </a:r>
+            <a:r>
+              <a:rPr lang="en-US" altLang="ja-JP" dirty="0"/>
+              <a:t>2</a:t>
+            </a:r>
+            <a:r>
+              <a:rPr lang="ja-JP" altLang="en-US" dirty="0"/>
+              <a:t>年</a:t>
+            </a:r>
+          </a:p>
+          <a:p>
+            <a:pPr lvl="1"/>
+            <a:r>
+              <a:rPr lang="ja-JP" altLang="en-US" dirty="0"/>
+              <a:t>竹内 朗さん工学部</a:t>
+            </a:r>
+            <a:r>
+              <a:rPr lang="en-US" altLang="ja-JP" dirty="0"/>
+              <a:t>4</a:t>
+            </a:r>
+            <a:r>
+              <a:rPr lang="ja-JP" altLang="en-US" dirty="0"/>
+              <a:t>年</a:t>
+            </a:r>
+          </a:p>
+          <a:p>
+            <a:pPr lvl="1"/>
+            <a:r>
+              <a:rPr lang="ja-JP" altLang="en-US" dirty="0"/>
+              <a:t>中條 麟太郎さん文学部</a:t>
+            </a:r>
+            <a:r>
+              <a:rPr lang="en-US" altLang="ja-JP" dirty="0"/>
+              <a:t>3</a:t>
+            </a:r>
+            <a:r>
+              <a:rPr lang="ja-JP" altLang="en-US" dirty="0"/>
+              <a:t>年・情報学環教育部研究生</a:t>
+            </a:r>
+          </a:p>
+          <a:p>
+            <a:pPr lvl="1"/>
+            <a:r>
+              <a:rPr lang="ja-JP" altLang="en-US" dirty="0"/>
+              <a:t>德永 紗英さん教養学部</a:t>
             </a:r>
             <a:r>
               <a:rPr lang="en-US" altLang="ja-JP" dirty="0"/>
@@ -52925,7 +53028,7 @@
             <a:pPr lvl="1"/>
             <a:r>
               <a:rPr lang="ja-JP" altLang="en-US" dirty="0"/>
-              <a:t>德永 紗英さん 教養学部前期課程</a:t>
+              <a:t>廣田 大騎さん教養学部（前期課程）</a:t>
             </a:r>
             <a:r>
               <a:rPr lang="en-US" altLang="ja-JP" dirty="0"/>
@@ -52940,11 +53043,11 @@
             <a:pPr lvl="1"/>
             <a:r>
               <a:rPr lang="ja-JP" altLang="en-US" dirty="0"/>
-              <a:t>金子 亮大さん 総合文化研究科修士</a:t>
+              <a:t>山田 和佳さん工学系研究科修士課程</a:t>
             </a:r>
             <a:r>
               <a:rPr lang="en-US" altLang="ja-JP" dirty="0"/>
-              <a:t>1</a:t>
+              <a:t>2</a:t>
             </a:r>
             <a:r>
               <a:rPr lang="ja-JP" altLang="en-US" dirty="0"/>
@@ -52955,56 +53058,11 @@
             <a:pPr lvl="1"/>
             <a:r>
               <a:rPr lang="ja-JP" altLang="en-US" dirty="0"/>
-              <a:t>小松 寛弥さん 法学部</a:t>
+              <a:t>和田 熙仁さん工学部</a:t>
             </a:r>
             <a:r>
               <a:rPr lang="en-US" altLang="ja-JP" dirty="0"/>
-              <a:t>4</a:t>
-            </a:r>
-            <a:r>
-              <a:rPr lang="ja-JP" altLang="en-US" dirty="0"/>
-              <a:t>年・大学院情報学環教育部研究生</a:t>
-            </a:r>
-          </a:p>
-          <a:p>
-            <a:pPr lvl="1"/>
-            <a:r>
-              <a:rPr lang="ja-JP" altLang="en-US" dirty="0"/>
-              <a:t>廣田 大騎さん 教養学部前期課程</a:t>
-            </a:r>
-            <a:r>
-              <a:rPr lang="en-US" altLang="ja-JP" dirty="0"/>
-              <a:t>1</a:t>
-            </a:r>
-            <a:r>
-              <a:rPr lang="ja-JP" altLang="en-US" dirty="0"/>
-              <a:t>年</a:t>
-            </a:r>
-          </a:p>
-          <a:p>
-            <a:pPr lvl="1"/>
-            <a:r>
-              <a:rPr lang="ja-JP" altLang="en-US" dirty="0"/>
-              <a:t>山田 和佳さん 工学系研究科修士</a:t>
-            </a:r>
-            <a:r>
-              <a:rPr lang="en-US" altLang="ja-JP" dirty="0"/>
-              <a:t>1</a:t>
-            </a:r>
-            <a:r>
-              <a:rPr lang="ja-JP" altLang="en-US" dirty="0"/>
-              <a:t>年</a:t>
-            </a:r>
-          </a:p>
-          <a:p>
-            <a:pPr lvl="1"/>
-            <a:r>
-              <a:rPr lang="ja-JP" altLang="en-US" dirty="0"/>
-              <a:t>和田 熙仁さん 教養学部前期課程</a:t>
-            </a:r>
-            <a:r>
-              <a:rPr lang="en-US" altLang="ja-JP" dirty="0"/>
-              <a:t>2</a:t>
+              <a:t>3</a:t>
             </a:r>
             <a:r>
               <a:rPr lang="ja-JP" altLang="en-US" dirty="0"/>
@@ -53015,23 +53073,7 @@
           <a:p>
             <a:pPr lvl="1"/>
             <a:r>
-              <a:rPr kumimoji="1" lang="ja-JP" altLang="en-US" dirty="0"/>
-              <a:t>吉田塁先生 工学系研究科・大総センター</a:t>
-            </a:r>
-            <a:endParaRPr kumimoji="1" lang="en-US" altLang="ja-JP" dirty="0"/>
-          </a:p>
-          <a:p>
-            <a:pPr lvl="1"/>
-            <a:r>
-              <a:rPr kumimoji="1" lang="ja-JP" altLang="en-US" dirty="0"/>
-              <a:t>玉造潤二先生 情報システム本部</a:t>
-            </a:r>
-            <a:endParaRPr kumimoji="1" lang="en-US" altLang="ja-JP" dirty="0"/>
-          </a:p>
-          <a:p>
-            <a:pPr lvl="1"/>
-            <a:r>
-              <a:rPr lang="en-US" altLang="ja-JP"/>
+              <a:rPr lang="en-US" altLang="ja-JP" dirty="0"/>
               <a:t>… </a:t>
             </a:r>
             <a:endParaRPr kumimoji="1" lang="en-US" altLang="ja-JP" dirty="0"/>
@@ -53137,7 +53179,7 @@
     </p:spTree>
     <p:extLst>
       <p:ext uri="{BB962C8B-B14F-4D97-AF65-F5344CB8AC3E}">
-        <p14:creationId xmlns:p14="http://schemas.microsoft.com/office/powerpoint/2010/main" val="1616801425"/>
+        <p14:creationId xmlns:p14="http://schemas.microsoft.com/office/powerpoint/2010/main" val="2723254594"/>
       </p:ext>
     </p:extLst>
   </p:cSld>
@@ -53468,7 +53510,12 @@
             <p:ph idx="1"/>
           </p:nvPr>
         </p:nvSpPr>
-        <p:spPr/>
+        <p:spPr>
+          <a:xfrm>
+            <a:off x="493204" y="1351309"/>
+            <a:ext cx="8229600" cy="4525963"/>
+          </a:xfrm>
+        </p:spPr>
         <p:txBody>
           <a:bodyPr>
             <a:normAutofit/>
@@ -53640,7 +53687,7 @@
           <a:p>
             <a:r>
               <a:rPr kumimoji="1" lang="en-US" altLang="ja-JP" dirty="0"/>
-              <a:t>4. </a:t>
+              <a:t>5. </a:t>
             </a:r>
             <a:r>
               <a:rPr kumimoji="1" lang="ja-JP" altLang="en-US" spc="-200" dirty="0"/>
@@ -53679,7 +53726,7 @@
           <a:p>
             <a:r>
               <a:rPr kumimoji="1" lang="en-US" altLang="ja-JP" dirty="0"/>
-              <a:t>5. </a:t>
+              <a:t>6. </a:t>
             </a:r>
             <a:r>
               <a:rPr kumimoji="1" lang="ja-JP" altLang="en-US" dirty="0"/>
@@ -53710,41 +53757,6 @@
               <a:t>)</a:t>
             </a:r>
             <a:endParaRPr lang="en-US" altLang="ja-JP" dirty="0"/>
-          </a:p>
-          <a:p>
-            <a:r>
-              <a:rPr kumimoji="1" lang="en-US" altLang="ja-JP" dirty="0"/>
-              <a:t>6. </a:t>
-            </a:r>
-            <a:r>
-              <a:rPr kumimoji="1" lang="ja-JP" altLang="en-US" dirty="0"/>
-              <a:t>ハイブリッド授業の実施 </a:t>
-            </a:r>
-            <a:r>
-              <a:rPr kumimoji="1" lang="en-US" altLang="ja-JP" sz="2000" dirty="0"/>
-              <a:t>(</a:t>
-            </a:r>
-            <a:r>
-              <a:rPr kumimoji="1" lang="ja-JP" altLang="en-US" sz="2000" dirty="0"/>
-              <a:t>角野</a:t>
-            </a:r>
-            <a:r>
-              <a:rPr kumimoji="1" lang="en-US" altLang="ja-JP" sz="2000" dirty="0"/>
-              <a:t>; </a:t>
-            </a:r>
-            <a:r>
-              <a:rPr lang="en-US" altLang="ja-JP" sz="2000" dirty="0"/>
-              <a:t>20</a:t>
-            </a:r>
-            <a:r>
-              <a:rPr kumimoji="1" lang="ja-JP" altLang="en-US" sz="2000" dirty="0"/>
-              <a:t>分</a:t>
-            </a:r>
-            <a:r>
-              <a:rPr kumimoji="1" lang="en-US" altLang="ja-JP" sz="2000" dirty="0"/>
-              <a:t>)</a:t>
-            </a:r>
-            <a:endParaRPr kumimoji="1" lang="ja-JP" altLang="en-US" dirty="0"/>
           </a:p>
         </p:txBody>
       </p:sp>
@@ -53840,12 +53852,18 @@
         </p:nvSpPr>
         <p:spPr>
           <a:xfrm>
-            <a:off x="1331640" y="5157192"/>
-            <a:ext cx="6480720" cy="868945"/>
+            <a:off x="1367644" y="4975666"/>
+            <a:ext cx="7355160" cy="1261646"/>
           </a:xfrm>
           <a:prstGeom prst="rect">
             <a:avLst/>
           </a:prstGeom>
+          <a:solidFill>
+            <a:schemeClr val="accent2">
+              <a:lumMod val="20000"/>
+              <a:lumOff val="80000"/>
+            </a:schemeClr>
+          </a:solidFill>
         </p:spPr>
         <p:style>
           <a:lnRef idx="2">
@@ -53874,7 +53892,23 @@
                   <a:schemeClr val="tx1"/>
                 </a:solidFill>
               </a:rPr>
-              <a:t>質問はいつでもウェビナーの</a:t>
+              <a:t>質問はいつでも</a:t>
+            </a:r>
+            <a:r>
+              <a:rPr kumimoji="1" lang="en-US" altLang="ja-JP" dirty="0">
+                <a:solidFill>
+                  <a:schemeClr val="tx1"/>
+                </a:solidFill>
+              </a:rPr>
+              <a:t>sli.do </a:t>
+            </a:r>
+            <a:r>
+              <a:rPr kumimoji="1" lang="ja-JP" altLang="en-US" dirty="0">
+                <a:solidFill>
+                  <a:schemeClr val="tx1"/>
+                </a:solidFill>
+              </a:rPr>
+              <a:t>の</a:t>
             </a:r>
             <a:r>
               <a:rPr kumimoji="1" lang="en-US" altLang="ja-JP" dirty="0">
@@ -53897,6 +53931,93 @@
                 <a:schemeClr val="tx1"/>
               </a:solidFill>
             </a:endParaRPr>
+          </a:p>
+          <a:p>
+            <a:pPr algn="ctr"/>
+            <a:r>
+              <a:rPr kumimoji="1" lang="en-US" altLang="ja-JP" dirty="0">
+                <a:solidFill>
+                  <a:schemeClr val="tx1"/>
+                </a:solidFill>
+              </a:rPr>
+              <a:t> </a:t>
+            </a:r>
+            <a:r>
+              <a:rPr kumimoji="1" lang="en-US" altLang="ja-JP" dirty="0">
+                <a:solidFill>
+                  <a:schemeClr val="tx1"/>
+                </a:solidFill>
+                <a:hlinkClick r:id="rId2"/>
+              </a:rPr>
+              <a:t>https://app.sli.do/event/34ofdqya</a:t>
+            </a:r>
+            <a:endParaRPr kumimoji="1" lang="en-US" altLang="ja-JP" dirty="0">
+              <a:solidFill>
+                <a:schemeClr val="tx1"/>
+              </a:solidFill>
+            </a:endParaRPr>
+          </a:p>
+          <a:p>
+            <a:pPr algn="ctr"/>
+            <a:r>
+              <a:rPr lang="en-US" altLang="ja-JP" dirty="0">
+                <a:solidFill>
+                  <a:schemeClr val="tx1"/>
+                </a:solidFill>
+              </a:rPr>
+              <a:t>(</a:t>
+            </a:r>
+            <a:r>
+              <a:rPr lang="ja-JP" altLang="en-US" dirty="0">
+                <a:solidFill>
+                  <a:schemeClr val="tx1"/>
+                </a:solidFill>
+              </a:rPr>
+              <a:t>または </a:t>
+            </a:r>
+            <a:r>
+              <a:rPr lang="en-US" altLang="ja-JP" dirty="0">
+                <a:solidFill>
+                  <a:schemeClr val="tx1"/>
+                </a:solidFill>
+                <a:hlinkClick r:id="rId3"/>
+              </a:rPr>
+              <a:t>https://sli.do/</a:t>
+            </a:r>
+            <a:r>
+              <a:rPr lang="en-US" altLang="ja-JP" dirty="0">
+                <a:solidFill>
+                  <a:schemeClr val="tx1"/>
+                </a:solidFill>
+              </a:rPr>
+              <a:t> </a:t>
+            </a:r>
+            <a:r>
+              <a:rPr lang="ja-JP" altLang="en-US" dirty="0">
+                <a:solidFill>
+                  <a:schemeClr val="tx1"/>
+                </a:solidFill>
+              </a:rPr>
+              <a:t>でイベントコード </a:t>
+            </a:r>
+            <a:r>
+              <a:rPr lang="en-US" altLang="ja-JP" dirty="0">
+                <a:solidFill>
+                  <a:schemeClr val="tx1"/>
+                </a:solidFill>
+                <a:latin typeface="Courier New" panose="02070309020205020404" pitchFamily="49" charset="0"/>
+                <a:cs typeface="Courier New" panose="02070309020205020404" pitchFamily="49" charset="0"/>
+              </a:rPr>
+              <a:t>#utelecon20210915</a:t>
+            </a:r>
+            <a:r>
+              <a:rPr lang="en-US" altLang="ja-JP" dirty="0">
+                <a:solidFill>
+                  <a:schemeClr val="tx1"/>
+                </a:solidFill>
+              </a:rPr>
+              <a:t> )</a:t>
+            </a:r>
           </a:p>
           <a:p>
             <a:pPr algn="ctr"/>

--- a/events/2021-09-15/slides/00-index.pptx
+++ b/events/2021-09-15/slides/00-index.pptx
@@ -227,7 +227,7 @@
             <a:fld id="{35305EB0-020F-4995-961E-A35B2BB78D2B}" type="datetimeFigureOut">
               <a:rPr kumimoji="1" lang="ja-JP" altLang="en-US" smtClean="0"/>
               <a:pPr/>
-              <a:t>2021/9/13</a:t>
+              <a:t>2021/9/15</a:t>
             </a:fld>
             <a:endParaRPr kumimoji="1" lang="ja-JP" altLang="en-US"/>
           </a:p>
@@ -53258,7 +53258,7 @@
         <p:spPr/>
         <p:txBody>
           <a:bodyPr>
-            <a:normAutofit fontScale="92500" lnSpcReduction="10000"/>
+            <a:normAutofit fontScale="92500"/>
           </a:bodyPr>
           <a:lstStyle/>
           <a:p>
@@ -53327,15 +53327,7 @@
           <a:p>
             <a:pPr lvl="1"/>
             <a:r>
-              <a:rPr kumimoji="1" lang="ja-JP" altLang="en-US" dirty="0"/>
-              <a:t>相田仁副学長</a:t>
-            </a:r>
-            <a:endParaRPr kumimoji="1" lang="en-US" altLang="ja-JP" dirty="0"/>
-          </a:p>
-          <a:p>
-            <a:pPr lvl="1"/>
-            <a:r>
-              <a:rPr lang="en-US" altLang="ja-JP" dirty="0"/>
+              <a:rPr lang="en-US" altLang="ja-JP"/>
               <a:t>…</a:t>
             </a:r>
             <a:endParaRPr kumimoji="1" lang="en-US" altLang="ja-JP" dirty="0"/>
